--- a/fuentes/contenidos/grado10/guion01/CN_10_01.pptx
+++ b/fuentes/contenidos/grado10/guion01/CN_10_01.pptx
@@ -106,7 +106,7 @@
   </p:defaultTextStyle>
   <p:extLst>
     <p:ext uri="{EFAFB233-063F-42B5-8137-9DF3F51BA10A}">
-      <p15:sldGuideLst xmlns="" xmlns:p15="http://schemas.microsoft.com/office/powerpoint/2012/main"/>
+      <p15:sldGuideLst xmlns:p15="http://schemas.microsoft.com/office/powerpoint/2012/main" xmlns=""/>
     </p:ext>
   </p:extLst>
 </p:presentation>
@@ -456,7 +456,7 @@
           <a:p>
             <a:fld id="{5001C876-01F7-4317-94B9-1AE222133113}" type="datetimeFigureOut">
               <a:rPr lang="es-ES" smtClean="0"/>
-              <a:t>10/09/15</a:t>
+              <a:t>14/09/15</a:t>
             </a:fld>
             <a:endParaRPr lang="es-ES"/>
           </a:p>
@@ -1068,11 +1068,7 @@
             <a:pPr algn="ctr"/>
             <a:r>
               <a:rPr lang="es-ES" sz="1600" dirty="0" smtClean="0"/>
-              <a:t>El mundo de la f</a:t>
-            </a:r>
-            <a:r>
-              <a:rPr lang="es-ES" sz="1600" dirty="0" smtClean="0"/>
-              <a:t>ísica y la química</a:t>
+              <a:t>Las ciencias</a:t>
             </a:r>
             <a:endParaRPr lang="es-ES" sz="1600" dirty="0"/>
           </a:p>
@@ -1185,7 +1181,7 @@
             <a:pPr algn="ctr"/>
             <a:r>
               <a:rPr lang="es-ES" sz="1100" b="1" dirty="0" smtClean="0"/>
-              <a:t>Mediciones</a:t>
+              <a:t>Medidas</a:t>
             </a:r>
             <a:endParaRPr lang="es-ES" sz="1100" b="1" dirty="0"/>
           </a:p>
@@ -1596,7 +1592,15 @@
             <a:pPr algn="ctr"/>
             <a:r>
               <a:rPr lang="es-ES_tradnl" sz="900" dirty="0" smtClean="0"/>
-              <a:t>se clasifica en</a:t>
+              <a:t>se </a:t>
+            </a:r>
+            <a:r>
+              <a:rPr lang="es-ES_tradnl" sz="900" dirty="0" smtClean="0"/>
+              <a:t>caracterizan po</a:t>
+            </a:r>
+            <a:r>
+              <a:rPr lang="es-ES_tradnl" sz="900" dirty="0" smtClean="0"/>
+              <a:t>r ser</a:t>
             </a:r>
             <a:endParaRPr lang="es-ES" sz="900" dirty="0"/>
           </a:p>
@@ -1826,16 +1830,16 @@
           <a:p>
             <a:pPr algn="ctr"/>
             <a:r>
-              <a:rPr lang="en-US" sz="900" b="1" dirty="0" smtClean="0">
+              <a:rPr lang="en-US" sz="900" b="1" dirty="0" err="1" smtClean="0">
                 <a:solidFill>
-                  <a:srgbClr val="FF0000"/>
+                  <a:srgbClr val="000000"/>
                 </a:solidFill>
               </a:rPr>
-              <a:t>?</a:t>
+              <a:t>usan</a:t>
             </a:r>
             <a:endParaRPr lang="es-ES" sz="900" b="1" dirty="0">
               <a:solidFill>
-                <a:srgbClr val="FF0000"/>
+                <a:srgbClr val="000000"/>
               </a:solidFill>
             </a:endParaRPr>
           </a:p>
@@ -2107,18 +2111,14 @@
           <a:p>
             <a:pPr algn="ctr"/>
             <a:r>
-              <a:rPr lang="es-ES_tradnl" sz="900" b="1" dirty="0" smtClean="0">
-                <a:solidFill>
-                  <a:srgbClr val="FF0000"/>
-                </a:solidFill>
-              </a:rPr>
-              <a:t>?</a:t>
-            </a:r>
-            <a:endParaRPr lang="es-ES" sz="900" b="1" dirty="0">
-              <a:solidFill>
-                <a:srgbClr val="FF0000"/>
-              </a:solidFill>
-            </a:endParaRPr>
+              <a:rPr lang="es-ES" sz="900" b="1" dirty="0"/>
+              <a:t>f</a:t>
+            </a:r>
+            <a:r>
+              <a:rPr lang="es-ES" sz="900" b="1" dirty="0" smtClean="0"/>
+              <a:t>ormales son</a:t>
+            </a:r>
+            <a:endParaRPr lang="es-ES" sz="900" b="1" dirty="0"/>
           </a:p>
         </p:txBody>
       </p:sp>
@@ -4135,8 +4135,16 @@
           <a:p>
             <a:pPr algn="ctr"/>
             <a:r>
+              <a:rPr lang="en-US" sz="900" dirty="0" err="1"/>
+              <a:t>e</a:t>
+            </a:r>
+            <a:r>
               <a:rPr lang="en-US" sz="900" dirty="0" err="1" smtClean="0"/>
-              <a:t>utilizan</a:t>
+              <a:t>xpresadas</a:t>
+            </a:r>
+            <a:r>
+              <a:rPr lang="en-US" sz="900" dirty="0" smtClean="0"/>
+              <a:t> en</a:t>
             </a:r>
             <a:r>
               <a:rPr lang="en-US" sz="900" dirty="0" smtClean="0"/>
@@ -5210,7 +5218,7 @@
   <a:extraClrSchemeLst/>
   <a:extLst>
     <a:ext uri="{05A4C25C-085E-4340-85A3-A5531E510DB2}">
-      <thm15:themeFamily xmlns="" xmlns:thm15="http://schemas.microsoft.com/office/thememl/2012/main" name="Office Theme" id="{62F939B6-93AF-4DB8-9C6B-D6C7DFDC589F}" vid="{4A3C46E8-61CC-4603-A589-7422A47A8E4A}"/>
+      <thm15:themeFamily xmlns:thm15="http://schemas.microsoft.com/office/thememl/2012/main" xmlns="" name="Office Theme" id="{62F939B6-93AF-4DB8-9C6B-D6C7DFDC589F}" vid="{4A3C46E8-61CC-4603-A589-7422A47A8E4A}"/>
     </a:ext>
   </a:extLst>
 </a:theme>

--- a/fuentes/contenidos/grado10/guion01/CN_10_01.pptx
+++ b/fuentes/contenidos/grado10/guion01/CN_10_01.pptx
@@ -106,7 +106,18 @@
   </p:defaultTextStyle>
   <p:extLst>
     <p:ext uri="{EFAFB233-063F-42B5-8137-9DF3F51BA10A}">
-      <p15:sldGuideLst xmlns:p15="http://schemas.microsoft.com/office/powerpoint/2012/main" xmlns=""/>
+      <p15:sldGuideLst xmlns:p15="http://schemas.microsoft.com/office/powerpoint/2012/main">
+        <p15:guide id="1" orient="horz" pos="2160">
+          <p15:clr>
+            <a:srgbClr val="A4A3A4"/>
+          </p15:clr>
+        </p15:guide>
+        <p15:guide id="2" pos="2880">
+          <p15:clr>
+            <a:srgbClr val="A4A3A4"/>
+          </p15:clr>
+        </p15:guide>
+      </p15:sldGuideLst>
     </p:ext>
   </p:extLst>
 </p:presentation>
@@ -148,7 +159,7 @@
   <p:timing>
     <p:tnLst>
       <p:par>
-        <p:cTn xmlns:p14="http://schemas.microsoft.com/office/powerpoint/2010/main" id="1" dur="indefinite" restart="never" nodeType="tmRoot"/>
+        <p:cTn id="1" dur="indefinite" restart="never" nodeType="tmRoot"/>
       </p:par>
     </p:tnLst>
   </p:timing>
@@ -185,7 +196,7 @@
   <p:timing>
     <p:tnLst>
       <p:par>
-        <p:cTn xmlns:p14="http://schemas.microsoft.com/office/powerpoint/2010/main" id="1" dur="indefinite" restart="never" nodeType="tmRoot"/>
+        <p:cTn id="1" dur="indefinite" restart="never" nodeType="tmRoot"/>
       </p:par>
     </p:tnLst>
   </p:timing>
@@ -222,7 +233,7 @@
   <p:timing>
     <p:tnLst>
       <p:par>
-        <p:cTn xmlns:p14="http://schemas.microsoft.com/office/powerpoint/2010/main" id="1" dur="indefinite" restart="never" nodeType="tmRoot"/>
+        <p:cTn id="1" dur="indefinite" restart="never" nodeType="tmRoot"/>
       </p:par>
     </p:tnLst>
   </p:timing>
@@ -259,7 +270,7 @@
   <p:timing>
     <p:tnLst>
       <p:par>
-        <p:cTn xmlns:p14="http://schemas.microsoft.com/office/powerpoint/2010/main" id="1" dur="indefinite" restart="never" nodeType="tmRoot"/>
+        <p:cTn id="1" dur="indefinite" restart="never" nodeType="tmRoot"/>
       </p:par>
     </p:tnLst>
   </p:timing>
@@ -296,7 +307,7 @@
   <p:timing>
     <p:tnLst>
       <p:par>
-        <p:cTn xmlns:p14="http://schemas.microsoft.com/office/powerpoint/2010/main" id="1" dur="indefinite" restart="never" nodeType="tmRoot"/>
+        <p:cTn id="1" dur="indefinite" restart="never" nodeType="tmRoot"/>
       </p:par>
     </p:tnLst>
   </p:timing>
@@ -333,7 +344,7 @@
   <p:timing>
     <p:tnLst>
       <p:par>
-        <p:cTn xmlns:p14="http://schemas.microsoft.com/office/powerpoint/2010/main" id="1" dur="indefinite" restart="never" nodeType="tmRoot"/>
+        <p:cTn id="1" dur="indefinite" restart="never" nodeType="tmRoot"/>
       </p:par>
     </p:tnLst>
   </p:timing>
@@ -370,7 +381,7 @@
   <p:timing>
     <p:tnLst>
       <p:par>
-        <p:cTn xmlns:p14="http://schemas.microsoft.com/office/powerpoint/2010/main" id="1" dur="indefinite" restart="never" nodeType="tmRoot"/>
+        <p:cTn id="1" dur="indefinite" restart="never" nodeType="tmRoot"/>
       </p:par>
     </p:tnLst>
   </p:timing>
@@ -407,7 +418,7 @@
   <p:timing>
     <p:tnLst>
       <p:par>
-        <p:cTn xmlns:p14="http://schemas.microsoft.com/office/powerpoint/2010/main" id="1" dur="indefinite" restart="never" nodeType="tmRoot"/>
+        <p:cTn id="1" dur="indefinite" restart="never" nodeType="tmRoot"/>
       </p:par>
     </p:tnLst>
   </p:timing>
@@ -456,7 +467,7 @@
           <a:p>
             <a:fld id="{5001C876-01F7-4317-94B9-1AE222133113}" type="datetimeFigureOut">
               <a:rPr lang="es-ES" smtClean="0"/>
-              <a:t>14/09/15</a:t>
+              <a:t>22/09/2015</a:t>
             </a:fld>
             <a:endParaRPr lang="es-ES"/>
           </a:p>
@@ -514,7 +525,7 @@
           <a:p>
             <a:fld id="{58140F73-F5A2-4B82-A2FA-BF1850CF1309}" type="slidenum">
               <a:rPr lang="es-ES" smtClean="0"/>
-              <a:t>‹Nr.›</a:t>
+              <a:t>‹Nº›</a:t>
             </a:fld>
             <a:endParaRPr lang="es-ES"/>
           </a:p>
@@ -533,7 +544,7 @@
   <p:timing>
     <p:tnLst>
       <p:par>
-        <p:cTn xmlns:p14="http://schemas.microsoft.com/office/powerpoint/2010/main" id="1" dur="indefinite" restart="never" nodeType="tmRoot"/>
+        <p:cTn id="1" dur="indefinite" restart="never" nodeType="tmRoot"/>
       </p:par>
     </p:tnLst>
   </p:timing>
@@ -570,7 +581,7 @@
   <p:timing>
     <p:tnLst>
       <p:par>
-        <p:cTn xmlns:p14="http://schemas.microsoft.com/office/powerpoint/2010/main" id="1" dur="indefinite" restart="never" nodeType="tmRoot"/>
+        <p:cTn id="1" dur="indefinite" restart="never" nodeType="tmRoot"/>
       </p:par>
     </p:tnLst>
   </p:timing>
@@ -607,7 +618,7 @@
   <p:timing>
     <p:tnLst>
       <p:par>
-        <p:cTn xmlns:p14="http://schemas.microsoft.com/office/powerpoint/2010/main" id="1" dur="indefinite" restart="never" nodeType="tmRoot"/>
+        <p:cTn id="1" dur="indefinite" restart="never" nodeType="tmRoot"/>
       </p:par>
     </p:tnLst>
   </p:timing>
@@ -720,7 +731,7 @@
   <p:timing>
     <p:tnLst>
       <p:par>
-        <p:cTn xmlns:p14="http://schemas.microsoft.com/office/powerpoint/2010/main" id="1" dur="indefinite" restart="never" nodeType="tmRoot"/>
+        <p:cTn id="1" dur="indefinite" restart="never" nodeType="tmRoot"/>
       </p:par>
     </p:tnLst>
   </p:timing>
@@ -1403,13 +1414,26 @@
               <a:buChar char="•"/>
             </a:pPr>
             <a:r>
+              <a:rPr lang="es-ES_tradnl" sz="1000" dirty="0">
+                <a:solidFill>
+                  <a:schemeClr val="bg1"/>
+                </a:solidFill>
+              </a:rPr>
+              <a:t>c</a:t>
+            </a:r>
+            <a:r>
               <a:rPr lang="es-ES_tradnl" sz="1000" dirty="0" smtClean="0">
                 <a:solidFill>
                   <a:schemeClr val="bg1"/>
                 </a:solidFill>
               </a:rPr>
-              <a:t>Composición</a:t>
-            </a:r>
+              <a:t>omposición</a:t>
+            </a:r>
+            <a:endParaRPr lang="es-ES_tradnl" sz="1000" dirty="0" smtClean="0">
+              <a:solidFill>
+                <a:schemeClr val="bg1"/>
+              </a:solidFill>
+            </a:endParaRPr>
           </a:p>
           <a:p>
             <a:pPr marL="171450" indent="-171450">
@@ -1417,13 +1441,26 @@
               <a:buChar char="•"/>
             </a:pPr>
             <a:r>
+              <a:rPr lang="es-ES_tradnl" sz="1000" dirty="0">
+                <a:solidFill>
+                  <a:schemeClr val="bg1"/>
+                </a:solidFill>
+              </a:rPr>
+              <a:t>o</a:t>
+            </a:r>
+            <a:r>
               <a:rPr lang="es-ES_tradnl" sz="1000" dirty="0" smtClean="0">
                 <a:solidFill>
                   <a:schemeClr val="bg1"/>
                 </a:solidFill>
               </a:rPr>
-              <a:t>Organización</a:t>
-            </a:r>
+              <a:t>rganización</a:t>
+            </a:r>
+            <a:endParaRPr lang="es-ES_tradnl" sz="1000" dirty="0" smtClean="0">
+              <a:solidFill>
+                <a:schemeClr val="bg1"/>
+              </a:solidFill>
+            </a:endParaRPr>
           </a:p>
           <a:p>
             <a:pPr marL="171450" indent="-171450">
@@ -1431,13 +1468,26 @@
               <a:buChar char="•"/>
             </a:pPr>
             <a:r>
+              <a:rPr lang="es-ES_tradnl" sz="1000" dirty="0">
+                <a:solidFill>
+                  <a:schemeClr val="bg1"/>
+                </a:solidFill>
+              </a:rPr>
+              <a:t>t</a:t>
+            </a:r>
+            <a:r>
               <a:rPr lang="es-ES_tradnl" sz="1000" dirty="0" smtClean="0">
                 <a:solidFill>
                   <a:schemeClr val="bg1"/>
                 </a:solidFill>
               </a:rPr>
-              <a:t>Transformaciones</a:t>
-            </a:r>
+              <a:t>ransformaciones</a:t>
+            </a:r>
+            <a:endParaRPr lang="es-ES_tradnl" sz="1000" dirty="0" smtClean="0">
+              <a:solidFill>
+                <a:schemeClr val="bg1"/>
+              </a:solidFill>
+            </a:endParaRPr>
           </a:p>
           <a:p>
             <a:pPr marL="171450" indent="-171450">
@@ -1445,13 +1495,26 @@
               <a:buChar char="•"/>
             </a:pPr>
             <a:r>
+              <a:rPr lang="es-ES_tradnl" sz="1000" dirty="0">
+                <a:solidFill>
+                  <a:schemeClr val="bg1"/>
+                </a:solidFill>
+              </a:rPr>
+              <a:t>p</a:t>
+            </a:r>
+            <a:r>
               <a:rPr lang="es-ES_tradnl" sz="1000" dirty="0" smtClean="0">
                 <a:solidFill>
                   <a:schemeClr val="bg1"/>
                 </a:solidFill>
               </a:rPr>
-              <a:t>Propiedades</a:t>
-            </a:r>
+              <a:t>ropiedades</a:t>
+            </a:r>
+            <a:endParaRPr lang="es-ES_tradnl" sz="1000" dirty="0" smtClean="0">
+              <a:solidFill>
+                <a:schemeClr val="bg1"/>
+              </a:solidFill>
+            </a:endParaRPr>
           </a:p>
           <a:p>
             <a:pPr marL="171450" indent="-171450">
@@ -1459,12 +1522,28 @@
               <a:buChar char="•"/>
             </a:pPr>
             <a:r>
+              <a:rPr lang="es-ES_tradnl" sz="1000" dirty="0">
+                <a:solidFill>
+                  <a:schemeClr val="bg1"/>
+                </a:solidFill>
+              </a:rPr>
+              <a:t>c</a:t>
+            </a:r>
+            <a:r>
               <a:rPr lang="es-ES_tradnl" sz="1000" dirty="0" smtClean="0">
                 <a:solidFill>
                   <a:schemeClr val="bg1"/>
                 </a:solidFill>
               </a:rPr>
-              <a:t>Clasificación sistemática de la materia y sus relaciones con la energía</a:t>
+              <a:t>lasificación </a:t>
+            </a:r>
+            <a:r>
+              <a:rPr lang="es-ES_tradnl" sz="1000" dirty="0" smtClean="0">
+                <a:solidFill>
+                  <a:schemeClr val="bg1"/>
+                </a:solidFill>
+              </a:rPr>
+              <a:t>sistemática de la materia y sus relaciones con la energía</a:t>
             </a:r>
           </a:p>
         </p:txBody>
@@ -1592,15 +1671,7 @@
             <a:pPr algn="ctr"/>
             <a:r>
               <a:rPr lang="es-ES_tradnl" sz="900" dirty="0" smtClean="0"/>
-              <a:t>se </a:t>
-            </a:r>
-            <a:r>
-              <a:rPr lang="es-ES_tradnl" sz="900" dirty="0" smtClean="0"/>
-              <a:t>caracterizan po</a:t>
-            </a:r>
-            <a:r>
-              <a:rPr lang="es-ES_tradnl" sz="900" dirty="0" smtClean="0"/>
-              <a:t>r ser</a:t>
+              <a:t>se caracterizan por ser</a:t>
             </a:r>
             <a:endParaRPr lang="es-ES" sz="900" dirty="0"/>
           </a:p>
@@ -1661,7 +1732,15 @@
                   <a:schemeClr val="tx1"/>
                 </a:solidFill>
               </a:rPr>
-              <a:t>Ciencias Formales</a:t>
+              <a:t>Ciencias </a:t>
+            </a:r>
+            <a:r>
+              <a:rPr lang="es-ES_tradnl" sz="1100" b="1" dirty="0" smtClean="0">
+                <a:solidFill>
+                  <a:schemeClr val="tx1"/>
+                </a:solidFill>
+              </a:rPr>
+              <a:t>formales</a:t>
             </a:r>
             <a:endParaRPr lang="es-ES_tradnl" sz="1100" b="1" dirty="0">
               <a:solidFill>
@@ -1957,12 +2036,12 @@
           <a:p>
             <a:pPr algn="ctr"/>
             <a:r>
-              <a:rPr lang="en-US" sz="1000" dirty="0" smtClean="0">
+              <a:rPr lang="en-US" sz="1000" dirty="0">
                 <a:solidFill>
                   <a:schemeClr val="bg1"/>
                 </a:solidFill>
               </a:rPr>
-              <a:t>E</a:t>
+              <a:t>e</a:t>
             </a:r>
             <a:r>
               <a:rPr lang="es-ES" sz="1000" dirty="0" err="1" smtClean="0">
@@ -1978,7 +2057,15 @@
                   <a:schemeClr val="bg1"/>
                 </a:solidFill>
               </a:rPr>
-              <a:t> abstractos</a:t>
+              <a:t> </a:t>
+            </a:r>
+            <a:r>
+              <a:rPr lang="es-ES" sz="1000" dirty="0" smtClean="0">
+                <a:solidFill>
+                  <a:schemeClr val="bg1"/>
+                </a:solidFill>
+              </a:rPr>
+              <a:t>abstractos</a:t>
             </a:r>
             <a:endParaRPr lang="es-ES" sz="1000" dirty="0">
               <a:solidFill>
@@ -2233,12 +2320,28 @@
           <a:p>
             <a:pPr algn="ctr"/>
             <a:r>
+              <a:rPr lang="es-ES" sz="1000" dirty="0">
+                <a:solidFill>
+                  <a:schemeClr val="bg1"/>
+                </a:solidFill>
+              </a:rPr>
+              <a:t>i</a:t>
+            </a:r>
+            <a:r>
               <a:rPr lang="es-ES" sz="1000" dirty="0" smtClean="0">
                 <a:solidFill>
                   <a:schemeClr val="bg1"/>
                 </a:solidFill>
               </a:rPr>
-              <a:t>Incertidumbres o errores experimentales</a:t>
+              <a:t>ncertidumbres </a:t>
+            </a:r>
+            <a:r>
+              <a:rPr lang="es-ES" sz="1000" dirty="0" smtClean="0">
+                <a:solidFill>
+                  <a:schemeClr val="bg1"/>
+                </a:solidFill>
+              </a:rPr>
+              <a:t>o errores experimentales</a:t>
             </a:r>
             <a:endParaRPr lang="es-ES" sz="1000" dirty="0">
               <a:solidFill>
@@ -2394,12 +2497,28 @@
           <a:p>
             <a:pPr algn="ctr"/>
             <a:r>
+              <a:rPr lang="es-ES" sz="1000" dirty="0">
+                <a:solidFill>
+                  <a:schemeClr val="bg1"/>
+                </a:solidFill>
+              </a:rPr>
+              <a:t>e</a:t>
+            </a:r>
+            <a:r>
               <a:rPr lang="es-ES" sz="1000" dirty="0" smtClean="0">
                 <a:solidFill>
                   <a:schemeClr val="bg1"/>
                 </a:solidFill>
               </a:rPr>
-              <a:t>Es el conjunto de conocimientos objetivos verificables y ordenados</a:t>
+              <a:t>s </a:t>
+            </a:r>
+            <a:r>
+              <a:rPr lang="es-ES" sz="1000" dirty="0" smtClean="0">
+                <a:solidFill>
+                  <a:schemeClr val="bg1"/>
+                </a:solidFill>
+              </a:rPr>
+              <a:t>el conjunto de conocimientos objetivos verificables y ordenados</a:t>
             </a:r>
             <a:endParaRPr lang="es-ES" sz="1000" dirty="0">
               <a:solidFill>
@@ -2502,7 +2621,11 @@
             <a:pPr algn="ctr"/>
             <a:r>
               <a:rPr lang="en-US" sz="900" dirty="0" smtClean="0"/>
-              <a:t>produce el </a:t>
+              <a:t>y produce </a:t>
+            </a:r>
+            <a:r>
+              <a:rPr lang="en-US" sz="900" dirty="0" smtClean="0"/>
+              <a:t>el </a:t>
             </a:r>
             <a:r>
               <a:rPr lang="en-US" sz="900" dirty="0" err="1" smtClean="0"/>
@@ -2664,8 +2787,8 @@
           <a:p>
             <a:pPr algn="ctr"/>
             <a:r>
-              <a:rPr lang="en-US" sz="900" dirty="0"/>
-              <a:t>c</a:t>
+              <a:rPr lang="en-US" sz="900" dirty="0" smtClean="0"/>
+              <a:t>Que c</a:t>
             </a:r>
             <a:r>
               <a:rPr lang="es-ES_tradnl" sz="900" dirty="0" err="1" smtClean="0"/>
@@ -2725,12 +2848,28 @@
               <a:buChar char="•"/>
             </a:pPr>
             <a:r>
+              <a:rPr lang="es-ES" sz="900" dirty="0">
+                <a:solidFill>
+                  <a:schemeClr val="tx1"/>
+                </a:solidFill>
+              </a:rPr>
+              <a:t>o</a:t>
+            </a:r>
+            <a:r>
               <a:rPr lang="es-ES" sz="900" dirty="0" smtClean="0">
                 <a:solidFill>
                   <a:schemeClr val="tx1"/>
                 </a:solidFill>
               </a:rPr>
-              <a:t>Observación y planteamiento del problema</a:t>
+              <a:t>bservación </a:t>
+            </a:r>
+            <a:r>
+              <a:rPr lang="es-ES" sz="900" dirty="0" smtClean="0">
+                <a:solidFill>
+                  <a:schemeClr val="tx1"/>
+                </a:solidFill>
+              </a:rPr>
+              <a:t>y planteamiento del problema</a:t>
             </a:r>
           </a:p>
           <a:p>
@@ -2739,12 +2878,28 @@
               <a:buChar char="•"/>
             </a:pPr>
             <a:r>
+              <a:rPr lang="es-ES" sz="900" dirty="0">
+                <a:solidFill>
+                  <a:schemeClr val="tx1"/>
+                </a:solidFill>
+              </a:rPr>
+              <a:t>f</a:t>
+            </a:r>
+            <a:r>
               <a:rPr lang="es-ES" sz="900" dirty="0" smtClean="0">
                 <a:solidFill>
                   <a:schemeClr val="tx1"/>
                 </a:solidFill>
               </a:rPr>
-              <a:t>Formulación de la hipótesis</a:t>
+              <a:t>ormulación </a:t>
+            </a:r>
+            <a:r>
+              <a:rPr lang="es-ES" sz="900" dirty="0" smtClean="0">
+                <a:solidFill>
+                  <a:schemeClr val="tx1"/>
+                </a:solidFill>
+              </a:rPr>
+              <a:t>de la hipótesis</a:t>
             </a:r>
           </a:p>
           <a:p>
@@ -2753,12 +2908,28 @@
               <a:buChar char="•"/>
             </a:pPr>
             <a:r>
+              <a:rPr lang="es-ES" sz="900" dirty="0">
+                <a:solidFill>
+                  <a:schemeClr val="tx1"/>
+                </a:solidFill>
+              </a:rPr>
+              <a:t>v</a:t>
+            </a:r>
+            <a:r>
               <a:rPr lang="es-ES" sz="900" dirty="0" smtClean="0">
                 <a:solidFill>
                   <a:schemeClr val="tx1"/>
                 </a:solidFill>
               </a:rPr>
-              <a:t>Verificación de la hipótesis</a:t>
+              <a:t>erificación </a:t>
+            </a:r>
+            <a:r>
+              <a:rPr lang="es-ES" sz="900" dirty="0" smtClean="0">
+                <a:solidFill>
+                  <a:schemeClr val="tx1"/>
+                </a:solidFill>
+              </a:rPr>
+              <a:t>de la hipótesis</a:t>
             </a:r>
           </a:p>
           <a:p>
@@ -2767,12 +2938,28 @@
               <a:buChar char="•"/>
             </a:pPr>
             <a:r>
+              <a:rPr lang="es-ES" sz="900" dirty="0">
+                <a:solidFill>
+                  <a:schemeClr val="tx1"/>
+                </a:solidFill>
+              </a:rPr>
+              <a:t>e</a:t>
+            </a:r>
+            <a:r>
               <a:rPr lang="es-ES" sz="900" dirty="0" smtClean="0">
                 <a:solidFill>
                   <a:schemeClr val="tx1"/>
                 </a:solidFill>
               </a:rPr>
-              <a:t>Establecimiento de teorías</a:t>
+              <a:t>stablecimiento </a:t>
+            </a:r>
+            <a:r>
+              <a:rPr lang="es-ES" sz="900" dirty="0" smtClean="0">
+                <a:solidFill>
+                  <a:schemeClr val="tx1"/>
+                </a:solidFill>
+              </a:rPr>
+              <a:t>de teorías</a:t>
             </a:r>
             <a:endParaRPr lang="es-ES" sz="900" dirty="0">
               <a:solidFill>
@@ -2983,9 +3170,14 @@
               <a:buChar char="•"/>
             </a:pPr>
             <a:r>
+              <a:rPr lang="es-ES_tradnl" sz="900" dirty="0"/>
+              <a:t>m</a:t>
+            </a:r>
+            <a:r>
               <a:rPr lang="es-ES_tradnl" sz="900" dirty="0" smtClean="0"/>
-              <a:t>Matemática</a:t>
-            </a:r>
+              <a:t>atemática</a:t>
+            </a:r>
+            <a:endParaRPr lang="es-ES_tradnl" sz="900" dirty="0" smtClean="0"/>
           </a:p>
           <a:p>
             <a:pPr marL="171450" indent="-171450">
@@ -2993,12 +3185,20 @@
               <a:buChar char="•"/>
             </a:pPr>
             <a:r>
+              <a:rPr lang="es-ES_tradnl" sz="900" dirty="0">
+                <a:solidFill>
+                  <a:schemeClr val="tx1"/>
+                </a:solidFill>
+              </a:rPr>
+              <a:t>l</a:t>
+            </a:r>
+            <a:r>
               <a:rPr lang="es-ES_tradnl" sz="900" dirty="0" smtClean="0">
                 <a:solidFill>
                   <a:schemeClr val="tx1"/>
                 </a:solidFill>
               </a:rPr>
-              <a:t>Lógica</a:t>
+              <a:t>ógica</a:t>
             </a:r>
             <a:endParaRPr lang="es-ES" sz="900" dirty="0">
               <a:solidFill>
@@ -3053,12 +3253,12 @@
           <a:p>
             <a:pPr algn="ctr"/>
             <a:r>
-              <a:rPr lang="en-US" sz="1000" dirty="0" smtClean="0">
+              <a:rPr lang="en-US" sz="1000" dirty="0">
                 <a:solidFill>
                   <a:schemeClr val="bg1"/>
                 </a:solidFill>
               </a:rPr>
-              <a:t>E</a:t>
+              <a:t>e</a:t>
             </a:r>
             <a:r>
               <a:rPr lang="es-ES" sz="1000" dirty="0" err="1" smtClean="0">
@@ -3074,7 +3274,15 @@
                   <a:schemeClr val="bg1"/>
                 </a:solidFill>
               </a:rPr>
-              <a:t> abstractos</a:t>
+              <a:t> </a:t>
+            </a:r>
+            <a:r>
+              <a:rPr lang="es-ES" sz="1000" dirty="0" smtClean="0">
+                <a:solidFill>
+                  <a:schemeClr val="bg1"/>
+                </a:solidFill>
+              </a:rPr>
+              <a:t>abstractos</a:t>
             </a:r>
             <a:endParaRPr lang="es-ES" sz="1000" dirty="0">
               <a:solidFill>
@@ -3362,7 +3570,11 @@
             <a:pPr algn="ctr"/>
             <a:r>
               <a:rPr lang="es-ES_tradnl" sz="900" dirty="0" smtClean="0"/>
-              <a:t>Ciencias naturales</a:t>
+              <a:t>Ciencias </a:t>
+            </a:r>
+            <a:r>
+              <a:rPr lang="es-ES_tradnl" sz="900" dirty="0" smtClean="0"/>
+              <a:t>Naturales</a:t>
             </a:r>
             <a:endParaRPr lang="es-ES" sz="900" dirty="0">
               <a:solidFill>
@@ -3418,7 +3630,11 @@
             <a:pPr algn="ctr"/>
             <a:r>
               <a:rPr lang="es-ES_tradnl" sz="900" dirty="0" smtClean="0"/>
-              <a:t>Ciencias sociales</a:t>
+              <a:t>Ciencias </a:t>
+            </a:r>
+            <a:r>
+              <a:rPr lang="es-ES_tradnl" sz="900" dirty="0" smtClean="0"/>
+              <a:t>Sociales</a:t>
             </a:r>
             <a:endParaRPr lang="es-ES" sz="900" dirty="0">
               <a:solidFill>
@@ -3507,13 +3723,26 @@
               <a:buChar char="•"/>
             </a:pPr>
             <a:r>
+              <a:rPr lang="es-ES" sz="900" dirty="0">
+                <a:solidFill>
+                  <a:schemeClr val="tx1"/>
+                </a:solidFill>
+              </a:rPr>
+              <a:t>f</a:t>
+            </a:r>
+            <a:r>
               <a:rPr lang="es-ES" sz="900" dirty="0" smtClean="0">
                 <a:solidFill>
                   <a:schemeClr val="tx1"/>
                 </a:solidFill>
               </a:rPr>
-              <a:t>Física</a:t>
-            </a:r>
+              <a:t>ísica</a:t>
+            </a:r>
+            <a:endParaRPr lang="es-ES" sz="900" dirty="0" smtClean="0">
+              <a:solidFill>
+                <a:schemeClr val="tx1"/>
+              </a:solidFill>
+            </a:endParaRPr>
           </a:p>
           <a:p>
             <a:pPr marL="171450" indent="-171450">
@@ -3521,13 +3750,26 @@
               <a:buChar char="•"/>
             </a:pPr>
             <a:r>
+              <a:rPr lang="es-ES" sz="900" dirty="0">
+                <a:solidFill>
+                  <a:schemeClr val="tx1"/>
+                </a:solidFill>
+              </a:rPr>
+              <a:t>q</a:t>
+            </a:r>
+            <a:r>
               <a:rPr lang="es-ES" sz="900" dirty="0" smtClean="0">
                 <a:solidFill>
                   <a:schemeClr val="tx1"/>
                 </a:solidFill>
               </a:rPr>
-              <a:t>Química</a:t>
-            </a:r>
+              <a:t>uímica</a:t>
+            </a:r>
+            <a:endParaRPr lang="es-ES" sz="900" dirty="0" smtClean="0">
+              <a:solidFill>
+                <a:schemeClr val="tx1"/>
+              </a:solidFill>
+            </a:endParaRPr>
           </a:p>
           <a:p>
             <a:pPr marL="171450" indent="-171450">
@@ -3535,13 +3777,26 @@
               <a:buChar char="•"/>
             </a:pPr>
             <a:r>
+              <a:rPr lang="es-ES" sz="900" dirty="0">
+                <a:solidFill>
+                  <a:schemeClr val="tx1"/>
+                </a:solidFill>
+              </a:rPr>
+              <a:t>b</a:t>
+            </a:r>
+            <a:r>
               <a:rPr lang="es-ES" sz="900" dirty="0" smtClean="0">
                 <a:solidFill>
                   <a:schemeClr val="tx1"/>
                 </a:solidFill>
               </a:rPr>
-              <a:t>Biología</a:t>
-            </a:r>
+              <a:t>iología</a:t>
+            </a:r>
+            <a:endParaRPr lang="es-ES" sz="900" dirty="0" smtClean="0">
+              <a:solidFill>
+                <a:schemeClr val="tx1"/>
+              </a:solidFill>
+            </a:endParaRPr>
           </a:p>
           <a:p>
             <a:pPr marL="171450" indent="-171450">
@@ -3549,13 +3804,26 @@
               <a:buChar char="•"/>
             </a:pPr>
             <a:r>
+              <a:rPr lang="es-ES" sz="900" dirty="0">
+                <a:solidFill>
+                  <a:schemeClr val="tx1"/>
+                </a:solidFill>
+              </a:rPr>
+              <a:t>a</a:t>
+            </a:r>
+            <a:r>
               <a:rPr lang="es-ES" sz="900" dirty="0" smtClean="0">
                 <a:solidFill>
                   <a:schemeClr val="tx1"/>
                 </a:solidFill>
               </a:rPr>
-              <a:t>Astronomía</a:t>
-            </a:r>
+              <a:t>stronomía</a:t>
+            </a:r>
+            <a:endParaRPr lang="es-ES" sz="900" dirty="0" smtClean="0">
+              <a:solidFill>
+                <a:schemeClr val="tx1"/>
+              </a:solidFill>
+            </a:endParaRPr>
           </a:p>
           <a:p>
             <a:pPr marL="171450" indent="-171450">
@@ -3563,12 +3831,20 @@
               <a:buChar char="•"/>
             </a:pPr>
             <a:r>
+              <a:rPr lang="es-ES" sz="900" dirty="0">
+                <a:solidFill>
+                  <a:schemeClr val="tx1"/>
+                </a:solidFill>
+              </a:rPr>
+              <a:t>g</a:t>
+            </a:r>
+            <a:r>
               <a:rPr lang="es-ES" sz="900" dirty="0" smtClean="0">
                 <a:solidFill>
                   <a:schemeClr val="tx1"/>
                 </a:solidFill>
               </a:rPr>
-              <a:t>Geografía</a:t>
+              <a:t>eografía</a:t>
             </a:r>
             <a:endParaRPr lang="es-ES" sz="900" dirty="0">
               <a:solidFill>
@@ -3658,48 +3934,20 @@
               <a:buChar char="•"/>
             </a:pPr>
             <a:r>
+              <a:rPr lang="es-ES" sz="900" dirty="0">
+                <a:solidFill>
+                  <a:schemeClr val="tx1"/>
+                </a:solidFill>
+              </a:rPr>
+              <a:t>p</a:t>
+            </a:r>
+            <a:r>
               <a:rPr lang="es-ES" sz="900" dirty="0" smtClean="0">
                 <a:solidFill>
                   <a:schemeClr val="tx1"/>
                 </a:solidFill>
               </a:rPr>
-              <a:t>Psicología</a:t>
-            </a:r>
-          </a:p>
-          <a:p>
-            <a:pPr marL="171450" indent="-171450">
-              <a:buFont typeface="Arial"/>
-              <a:buChar char="•"/>
-            </a:pPr>
-            <a:r>
-              <a:rPr lang="es-ES" sz="900" dirty="0" smtClean="0">
-                <a:solidFill>
-                  <a:schemeClr val="tx1"/>
-                </a:solidFill>
-              </a:rPr>
-              <a:t>Sociología</a:t>
-            </a:r>
-          </a:p>
-          <a:p>
-            <a:pPr marL="171450" indent="-171450">
-              <a:buFont typeface="Arial"/>
-              <a:buChar char="•"/>
-            </a:pPr>
-            <a:r>
-              <a:rPr lang="en-US" sz="900" dirty="0" smtClean="0">
-                <a:solidFill>
-                  <a:schemeClr val="tx1"/>
-                </a:solidFill>
-              </a:rPr>
-              <a:t>P</a:t>
-            </a:r>
-            <a:r>
-              <a:rPr lang="es-ES" sz="900" dirty="0" err="1" smtClean="0">
-                <a:solidFill>
-                  <a:schemeClr val="tx1"/>
-                </a:solidFill>
-              </a:rPr>
-              <a:t>olítica</a:t>
+              <a:t>sicología</a:t>
             </a:r>
             <a:endParaRPr lang="es-ES" sz="900" dirty="0" smtClean="0">
               <a:solidFill>
@@ -3713,13 +3961,26 @@
               <a:buChar char="•"/>
             </a:pPr>
             <a:r>
+              <a:rPr lang="es-ES" sz="900" dirty="0">
+                <a:solidFill>
+                  <a:schemeClr val="tx1"/>
+                </a:solidFill>
+              </a:rPr>
+              <a:t>s</a:t>
+            </a:r>
+            <a:r>
               <a:rPr lang="es-ES" sz="900" dirty="0" smtClean="0">
                 <a:solidFill>
                   <a:schemeClr val="tx1"/>
                 </a:solidFill>
               </a:rPr>
-              <a:t>Demografía</a:t>
-            </a:r>
+              <a:t>ociología</a:t>
+            </a:r>
+            <a:endParaRPr lang="es-ES" sz="900" dirty="0" smtClean="0">
+              <a:solidFill>
+                <a:schemeClr val="tx1"/>
+              </a:solidFill>
+            </a:endParaRPr>
           </a:p>
           <a:p>
             <a:pPr marL="171450" indent="-171450">
@@ -3727,13 +3988,26 @@
               <a:buChar char="•"/>
             </a:pPr>
             <a:r>
-              <a:rPr lang="es-ES" sz="900" dirty="0" smtClean="0">
-                <a:solidFill>
-                  <a:schemeClr val="tx1"/>
-                </a:solidFill>
-              </a:rPr>
-              <a:t>Economía</a:t>
-            </a:r>
+              <a:rPr lang="en-US" sz="900" dirty="0">
+                <a:solidFill>
+                  <a:schemeClr val="tx1"/>
+                </a:solidFill>
+              </a:rPr>
+              <a:t>p</a:t>
+            </a:r>
+            <a:r>
+              <a:rPr lang="es-ES" sz="900" dirty="0" err="1" smtClean="0">
+                <a:solidFill>
+                  <a:schemeClr val="tx1"/>
+                </a:solidFill>
+              </a:rPr>
+              <a:t>olítica</a:t>
+            </a:r>
+            <a:endParaRPr lang="es-ES" sz="900" dirty="0" smtClean="0">
+              <a:solidFill>
+                <a:schemeClr val="tx1"/>
+              </a:solidFill>
+            </a:endParaRPr>
           </a:p>
           <a:p>
             <a:pPr marL="171450" indent="-171450">
@@ -3741,13 +4015,26 @@
               <a:buChar char="•"/>
             </a:pPr>
             <a:r>
+              <a:rPr lang="es-ES" sz="900" dirty="0">
+                <a:solidFill>
+                  <a:schemeClr val="tx1"/>
+                </a:solidFill>
+              </a:rPr>
+              <a:t>d</a:t>
+            </a:r>
+            <a:r>
               <a:rPr lang="es-ES" sz="900" dirty="0" smtClean="0">
                 <a:solidFill>
                   <a:schemeClr val="tx1"/>
                 </a:solidFill>
               </a:rPr>
-              <a:t>Derecho</a:t>
-            </a:r>
+              <a:t>emografía</a:t>
+            </a:r>
+            <a:endParaRPr lang="es-ES" sz="900" dirty="0" smtClean="0">
+              <a:solidFill>
+                <a:schemeClr val="tx1"/>
+              </a:solidFill>
+            </a:endParaRPr>
           </a:p>
           <a:p>
             <a:pPr marL="171450" indent="-171450">
@@ -3755,13 +4042,80 @@
               <a:buChar char="•"/>
             </a:pPr>
             <a:r>
+              <a:rPr lang="es-ES" sz="900" dirty="0">
+                <a:solidFill>
+                  <a:schemeClr val="tx1"/>
+                </a:solidFill>
+              </a:rPr>
+              <a:t>e</a:t>
+            </a:r>
+            <a:r>
               <a:rPr lang="es-ES" sz="900" dirty="0" smtClean="0">
                 <a:solidFill>
                   <a:schemeClr val="tx1"/>
                 </a:solidFill>
               </a:rPr>
-              <a:t>Historia</a:t>
-            </a:r>
+              <a:t>conomía</a:t>
+            </a:r>
+            <a:endParaRPr lang="es-ES" sz="900" dirty="0" smtClean="0">
+              <a:solidFill>
+                <a:schemeClr val="tx1"/>
+              </a:solidFill>
+            </a:endParaRPr>
+          </a:p>
+          <a:p>
+            <a:pPr marL="171450" indent="-171450">
+              <a:buFont typeface="Arial"/>
+              <a:buChar char="•"/>
+            </a:pPr>
+            <a:r>
+              <a:rPr lang="es-ES" sz="900" dirty="0">
+                <a:solidFill>
+                  <a:schemeClr val="tx1"/>
+                </a:solidFill>
+              </a:rPr>
+              <a:t>d</a:t>
+            </a:r>
+            <a:r>
+              <a:rPr lang="es-ES" sz="900" dirty="0" smtClean="0">
+                <a:solidFill>
+                  <a:schemeClr val="tx1"/>
+                </a:solidFill>
+              </a:rPr>
+              <a:t>erecho</a:t>
+            </a:r>
+            <a:endParaRPr lang="es-ES" sz="900" dirty="0" smtClean="0">
+              <a:solidFill>
+                <a:schemeClr val="tx1"/>
+              </a:solidFill>
+            </a:endParaRPr>
+          </a:p>
+          <a:p>
+            <a:pPr marL="171450" indent="-171450">
+              <a:buFont typeface="Arial"/>
+              <a:buChar char="•"/>
+            </a:pPr>
+            <a:r>
+              <a:rPr lang="es-ES" sz="900" dirty="0">
+                <a:solidFill>
+                  <a:schemeClr val="tx1"/>
+                </a:solidFill>
+              </a:rPr>
+              <a:t>h</a:t>
+            </a:r>
+            <a:r>
+              <a:rPr lang="es-ES" sz="900" dirty="0" smtClean="0">
+                <a:solidFill>
+                  <a:schemeClr val="tx1"/>
+                </a:solidFill>
+              </a:rPr>
+              <a:t>istoria</a:t>
+            </a:r>
+            <a:endParaRPr lang="es-ES" sz="900" dirty="0" smtClean="0">
+              <a:solidFill>
+                <a:schemeClr val="tx1"/>
+              </a:solidFill>
+            </a:endParaRPr>
           </a:p>
         </p:txBody>
       </p:sp>
@@ -3846,12 +4200,28 @@
               <a:buChar char="•"/>
             </a:pPr>
             <a:r>
+              <a:rPr lang="es-ES_tradnl" sz="1000" dirty="0">
+                <a:solidFill>
+                  <a:schemeClr val="bg1"/>
+                </a:solidFill>
+              </a:rPr>
+              <a:t>p</a:t>
+            </a:r>
+            <a:r>
               <a:rPr lang="es-ES_tradnl" sz="1000" dirty="0" smtClean="0">
                 <a:solidFill>
                   <a:schemeClr val="bg1"/>
                 </a:solidFill>
               </a:rPr>
-              <a:t>Propiedades y leyes que rigen el comportamiento de la materia y la energía.</a:t>
+              <a:t>ropiedades </a:t>
+            </a:r>
+            <a:r>
+              <a:rPr lang="es-ES_tradnl" sz="1000" dirty="0" smtClean="0">
+                <a:solidFill>
+                  <a:schemeClr val="bg1"/>
+                </a:solidFill>
+              </a:rPr>
+              <a:t>y leyes que rigen el comportamiento de la materia y la energía.</a:t>
             </a:r>
           </a:p>
           <a:p>
@@ -3860,12 +4230,12 @@
               <a:buChar char="•"/>
             </a:pPr>
             <a:r>
-              <a:rPr lang="en-US" sz="1000" dirty="0" smtClean="0">
+              <a:rPr lang="en-US" sz="1000" dirty="0">
                 <a:solidFill>
                   <a:schemeClr val="bg1"/>
                 </a:solidFill>
               </a:rPr>
-              <a:t>E</a:t>
+              <a:t>e</a:t>
             </a:r>
             <a:r>
               <a:rPr lang="es-ES_tradnl" sz="1000" dirty="0" smtClean="0">
@@ -3873,7 +4243,15 @@
                   <a:schemeClr val="bg1"/>
                 </a:solidFill>
               </a:rPr>
-              <a:t>l tiempo</a:t>
+              <a:t>l </a:t>
+            </a:r>
+            <a:r>
+              <a:rPr lang="es-ES_tradnl" sz="1000" dirty="0" smtClean="0">
+                <a:solidFill>
+                  <a:schemeClr val="bg1"/>
+                </a:solidFill>
+              </a:rPr>
+              <a:t>tiempo</a:t>
             </a:r>
           </a:p>
           <a:p>
@@ -3882,12 +4260,12 @@
               <a:buChar char="•"/>
             </a:pPr>
             <a:r>
-              <a:rPr lang="en-US" sz="1000" dirty="0" smtClean="0">
+              <a:rPr lang="en-US" sz="1000" dirty="0">
                 <a:solidFill>
                   <a:schemeClr val="bg1"/>
                 </a:solidFill>
               </a:rPr>
-              <a:t>E</a:t>
+              <a:t>e</a:t>
             </a:r>
             <a:r>
               <a:rPr lang="es-ES_tradnl" sz="1000" dirty="0" smtClean="0">
@@ -3895,7 +4273,15 @@
                   <a:schemeClr val="bg1"/>
                 </a:solidFill>
               </a:rPr>
-              <a:t>l espacio</a:t>
+              <a:t>l </a:t>
+            </a:r>
+            <a:r>
+              <a:rPr lang="es-ES_tradnl" sz="1000" dirty="0" smtClean="0">
+                <a:solidFill>
+                  <a:schemeClr val="bg1"/>
+                </a:solidFill>
+              </a:rPr>
+              <a:t>espacio</a:t>
             </a:r>
             <a:endParaRPr lang="es-ES" sz="1000" dirty="0">
               <a:solidFill>
@@ -4144,11 +4530,7 @@
             </a:r>
             <a:r>
               <a:rPr lang="en-US" sz="900" dirty="0" smtClean="0"/>
-              <a:t> en</a:t>
-            </a:r>
-            <a:r>
-              <a:rPr lang="en-US" sz="900" dirty="0" smtClean="0"/>
-              <a:t> </a:t>
+              <a:t> en </a:t>
             </a:r>
             <a:r>
               <a:rPr lang="en-US" sz="900" dirty="0" err="1" smtClean="0"/>
@@ -4209,8 +4591,8 @@
         </p:nvCxnSpPr>
         <p:spPr>
           <a:xfrm rot="5400000">
-            <a:off x="7162770" y="3633608"/>
-            <a:ext cx="359081" cy="354656"/>
+            <a:off x="7209515" y="3593405"/>
+            <a:ext cx="272133" cy="348114"/>
           </a:xfrm>
           <a:prstGeom prst="bentConnector3">
             <a:avLst>
@@ -4307,7 +4689,7 @@
         </p:nvSpPr>
         <p:spPr>
           <a:xfrm>
-            <a:off x="6610018" y="3990477"/>
+            <a:off x="6616560" y="3903529"/>
             <a:ext cx="1109927" cy="1547197"/>
           </a:xfrm>
           <a:prstGeom prst="rect">
@@ -4347,8 +4729,16 @@
               <a:buChar char="•"/>
             </a:pPr>
             <a:r>
+              <a:rPr lang="es-ES_tradnl" sz="900" dirty="0"/>
+              <a:t>l</a:t>
+            </a:r>
+            <a:r>
               <a:rPr lang="es-ES_tradnl" sz="900" dirty="0" smtClean="0"/>
-              <a:t>Longitud (m)</a:t>
+              <a:t>ongitud </a:t>
+            </a:r>
+            <a:r>
+              <a:rPr lang="es-ES_tradnl" sz="900" dirty="0" smtClean="0"/>
+              <a:t>(m)</a:t>
             </a:r>
           </a:p>
           <a:p>
@@ -4357,12 +4747,28 @@
               <a:buChar char="•"/>
             </a:pPr>
             <a:r>
+              <a:rPr lang="es-ES_tradnl" sz="900" dirty="0">
+                <a:solidFill>
+                  <a:schemeClr val="tx1"/>
+                </a:solidFill>
+              </a:rPr>
+              <a:t>m</a:t>
+            </a:r>
+            <a:r>
               <a:rPr lang="es-ES_tradnl" sz="900" dirty="0" smtClean="0">
                 <a:solidFill>
                   <a:schemeClr val="tx1"/>
                 </a:solidFill>
               </a:rPr>
-              <a:t>Masa (Kg)</a:t>
+              <a:t>asa </a:t>
+            </a:r>
+            <a:r>
+              <a:rPr lang="es-ES_tradnl" sz="900" dirty="0" smtClean="0">
+                <a:solidFill>
+                  <a:schemeClr val="tx1"/>
+                </a:solidFill>
+              </a:rPr>
+              <a:t>(Kg)</a:t>
             </a:r>
           </a:p>
           <a:p>
@@ -4371,12 +4777,28 @@
               <a:buChar char="•"/>
             </a:pPr>
             <a:r>
+              <a:rPr lang="es-ES_tradnl" sz="900" dirty="0">
+                <a:solidFill>
+                  <a:schemeClr val="tx1"/>
+                </a:solidFill>
+              </a:rPr>
+              <a:t>t</a:t>
+            </a:r>
+            <a:r>
               <a:rPr lang="es-ES_tradnl" sz="900" dirty="0" smtClean="0">
                 <a:solidFill>
                   <a:schemeClr val="tx1"/>
                 </a:solidFill>
               </a:rPr>
-              <a:t>Tiempo (s)</a:t>
+              <a:t>iempo </a:t>
+            </a:r>
+            <a:r>
+              <a:rPr lang="es-ES_tradnl" sz="900" dirty="0" smtClean="0">
+                <a:solidFill>
+                  <a:schemeClr val="tx1"/>
+                </a:solidFill>
+              </a:rPr>
+              <a:t>(s)</a:t>
             </a:r>
           </a:p>
           <a:p>
@@ -4399,12 +4821,28 @@
               <a:buChar char="•"/>
             </a:pPr>
             <a:r>
+              <a:rPr lang="es-ES_tradnl" sz="900" dirty="0">
+                <a:solidFill>
+                  <a:schemeClr val="tx1"/>
+                </a:solidFill>
+              </a:rPr>
+              <a:t>i</a:t>
+            </a:r>
+            <a:r>
               <a:rPr lang="es-ES_tradnl" sz="900" dirty="0" smtClean="0">
                 <a:solidFill>
                   <a:schemeClr val="tx1"/>
                 </a:solidFill>
               </a:rPr>
-              <a:t> Intensidad corriente (A)</a:t>
+              <a:t>ntensidad </a:t>
+            </a:r>
+            <a:r>
+              <a:rPr lang="es-ES_tradnl" sz="900" dirty="0" smtClean="0">
+                <a:solidFill>
+                  <a:schemeClr val="tx1"/>
+                </a:solidFill>
+              </a:rPr>
+              <a:t>corriente (A)</a:t>
             </a:r>
           </a:p>
           <a:p>
@@ -4413,12 +4851,28 @@
               <a:buChar char="•"/>
             </a:pPr>
             <a:r>
+              <a:rPr lang="es-ES_tradnl" sz="900" dirty="0">
+                <a:solidFill>
+                  <a:schemeClr val="tx1"/>
+                </a:solidFill>
+              </a:rPr>
+              <a:t>c</a:t>
+            </a:r>
+            <a:r>
               <a:rPr lang="es-ES_tradnl" sz="900" dirty="0" smtClean="0">
                 <a:solidFill>
                   <a:schemeClr val="tx1"/>
                 </a:solidFill>
               </a:rPr>
-              <a:t>Cantidad de sustancia (mol)</a:t>
+              <a:t>antidad </a:t>
+            </a:r>
+            <a:r>
+              <a:rPr lang="es-ES_tradnl" sz="900" dirty="0" smtClean="0">
+                <a:solidFill>
+                  <a:schemeClr val="tx1"/>
+                </a:solidFill>
+              </a:rPr>
+              <a:t>de sustancia (mol)</a:t>
             </a:r>
           </a:p>
           <a:p>
@@ -4427,12 +4881,28 @@
               <a:buChar char="•"/>
             </a:pPr>
             <a:r>
+              <a:rPr lang="es-ES_tradnl" sz="900" dirty="0">
+                <a:solidFill>
+                  <a:schemeClr val="tx1"/>
+                </a:solidFill>
+              </a:rPr>
+              <a:t>i</a:t>
+            </a:r>
+            <a:r>
               <a:rPr lang="es-ES_tradnl" sz="900" dirty="0" smtClean="0">
                 <a:solidFill>
                   <a:schemeClr val="tx1"/>
                 </a:solidFill>
               </a:rPr>
-              <a:t>Intensidad luminosa (candela)</a:t>
+              <a:t>ntensidad </a:t>
+            </a:r>
+            <a:r>
+              <a:rPr lang="es-ES_tradnl" sz="900" dirty="0" smtClean="0">
+                <a:solidFill>
+                  <a:schemeClr val="tx1"/>
+                </a:solidFill>
+              </a:rPr>
+              <a:t>luminosa (candela)</a:t>
             </a:r>
             <a:endParaRPr lang="es-ES" sz="900" dirty="0">
               <a:solidFill>
@@ -4453,8 +4923,8 @@
         </p:nvCxnSpPr>
         <p:spPr>
           <a:xfrm flipH="1">
-            <a:off x="7162317" y="5537674"/>
-            <a:ext cx="2665" cy="224118"/>
+            <a:off x="7162317" y="5450726"/>
+            <a:ext cx="9207" cy="311066"/>
           </a:xfrm>
           <a:prstGeom prst="straightConnector1">
             <a:avLst/>
@@ -4550,12 +5020,28 @@
           <a:p>
             <a:pPr algn="ctr"/>
             <a:r>
+              <a:rPr lang="es-ES" sz="900" dirty="0">
+                <a:solidFill>
+                  <a:schemeClr val="tx1"/>
+                </a:solidFill>
+              </a:rPr>
+              <a:t>f</a:t>
+            </a:r>
+            <a:r>
               <a:rPr lang="es-ES" sz="900" dirty="0" smtClean="0">
                 <a:solidFill>
                   <a:schemeClr val="tx1"/>
                 </a:solidFill>
               </a:rPr>
-              <a:t>Factores de conversión</a:t>
+              <a:t>actores </a:t>
+            </a:r>
+            <a:r>
+              <a:rPr lang="es-ES" sz="900" dirty="0" smtClean="0">
+                <a:solidFill>
+                  <a:schemeClr val="tx1"/>
+                </a:solidFill>
+              </a:rPr>
+              <a:t>de conversión</a:t>
             </a:r>
             <a:endParaRPr lang="es-ES" sz="900" dirty="0">
               <a:solidFill>
@@ -4755,8 +5241,8 @@
           <a:p>
             <a:pPr algn="ctr"/>
             <a:r>
-              <a:rPr lang="en-US" sz="900" dirty="0" smtClean="0"/>
-              <a:t>S</a:t>
+              <a:rPr lang="en-US" sz="900" dirty="0"/>
+              <a:t>s</a:t>
             </a:r>
             <a:r>
               <a:rPr lang="es-ES_tradnl" sz="900" dirty="0" err="1" smtClean="0"/>
@@ -4764,7 +5250,11 @@
             </a:r>
             <a:r>
               <a:rPr lang="es-ES_tradnl" sz="900" dirty="0" smtClean="0"/>
-              <a:t> o aleatorios</a:t>
+              <a:t> </a:t>
+            </a:r>
+            <a:r>
+              <a:rPr lang="es-ES_tradnl" sz="900" dirty="0" smtClean="0"/>
+              <a:t>o aleatorios</a:t>
             </a:r>
             <a:endParaRPr lang="es-ES" sz="900" dirty="0">
               <a:solidFill>
@@ -4882,12 +5372,28 @@
           <a:p>
             <a:pPr algn="ctr"/>
             <a:r>
+              <a:rPr lang="es-ES" sz="900" dirty="0">
+                <a:solidFill>
+                  <a:schemeClr val="tx1"/>
+                </a:solidFill>
+              </a:rPr>
+              <a:t>l</a:t>
+            </a:r>
+            <a:r>
+              <a:rPr lang="es-ES" sz="900" smtClean="0">
+                <a:solidFill>
+                  <a:schemeClr val="tx1"/>
+                </a:solidFill>
+              </a:rPr>
+              <a:t>a </a:t>
+            </a:r>
+            <a:r>
               <a:rPr lang="es-ES" sz="900" dirty="0" smtClean="0">
                 <a:solidFill>
                   <a:schemeClr val="tx1"/>
                 </a:solidFill>
               </a:rPr>
-              <a:t>La exactitud y la precisión de las medidas</a:t>
+              <a:t>exactitud y la precisión de las medidas</a:t>
             </a:r>
             <a:endParaRPr lang="es-ES" sz="900" dirty="0">
               <a:solidFill>
@@ -4956,7 +5462,7 @@
   <p:timing>
     <p:tnLst>
       <p:par>
-        <p:cTn xmlns:p14="http://schemas.microsoft.com/office/powerpoint/2010/main" id="1" dur="indefinite" restart="never" nodeType="tmRoot"/>
+        <p:cTn id="1" dur="indefinite" restart="never" nodeType="tmRoot"/>
       </p:par>
     </p:tnLst>
   </p:timing>
@@ -5218,7 +5724,7 @@
   <a:extraClrSchemeLst/>
   <a:extLst>
     <a:ext uri="{05A4C25C-085E-4340-85A3-A5531E510DB2}">
-      <thm15:themeFamily xmlns:thm15="http://schemas.microsoft.com/office/thememl/2012/main" xmlns="" name="Office Theme" id="{62F939B6-93AF-4DB8-9C6B-D6C7DFDC589F}" vid="{4A3C46E8-61CC-4603-A589-7422A47A8E4A}"/>
+      <thm15:themeFamily xmlns:thm15="http://schemas.microsoft.com/office/thememl/2012/main" name="Office Theme" id="{62F939B6-93AF-4DB8-9C6B-D6C7DFDC589F}" vid="{4A3C46E8-61CC-4603-A589-7422A47A8E4A}"/>
     </a:ext>
   </a:extLst>
 </a:theme>

--- a/fuentes/contenidos/grado10/guion01/CN_10_01.pptx
+++ b/fuentes/contenidos/grado10/guion01/CN_10_01.pptx
@@ -456,7 +456,7 @@
           <a:p>
             <a:fld id="{5001C876-01F7-4317-94B9-1AE222133113}" type="datetimeFigureOut">
               <a:rPr lang="es-ES" smtClean="0"/>
-              <a:t>14/09/15</a:t>
+              <a:t>21/09/15</a:t>
             </a:fld>
             <a:endParaRPr lang="es-ES"/>
           </a:p>
@@ -1068,7 +1068,11 @@
             <a:pPr algn="ctr"/>
             <a:r>
               <a:rPr lang="es-ES" sz="1600" dirty="0" smtClean="0"/>
-              <a:t>Las ciencias</a:t>
+              <a:t>La ciencia y el </a:t>
+            </a:r>
+            <a:r>
+              <a:rPr lang="es-ES" sz="1600" dirty="0" smtClean="0"/>
+              <a:t>mundo de la física y la química</a:t>
             </a:r>
             <a:endParaRPr lang="es-ES" sz="1600" dirty="0"/>
           </a:p>
@@ -1125,8 +1129,9 @@
             <a:pPr algn="ctr"/>
             <a:r>
               <a:rPr lang="es-ES" sz="1100" b="1" dirty="0" smtClean="0"/>
-              <a:t>Definición</a:t>
-            </a:r>
+              <a:t>La ciencia</a:t>
+            </a:r>
+            <a:endParaRPr lang="es-ES" sz="1100" b="1" dirty="0" smtClean="0"/>
           </a:p>
         </p:txBody>
       </p:sp>
@@ -1314,10 +1319,16 @@
           <a:p>
             <a:pPr algn="ctr"/>
             <a:r>
-              <a:rPr lang="en-US" sz="900" dirty="0" smtClean="0"/>
+              <a:rPr lang="en-US" sz="900" dirty="0" smtClean="0">
+                <a:latin typeface="Arial"/>
+                <a:cs typeface="Arial"/>
+              </a:rPr>
               <a:t>de</a:t>
             </a:r>
-            <a:endParaRPr lang="es-ES" sz="900" dirty="0"/>
+            <a:endParaRPr lang="es-ES" sz="900" dirty="0">
+              <a:latin typeface="Arial"/>
+              <a:cs typeface="Arial"/>
+            </a:endParaRPr>
           </a:p>
         </p:txBody>
       </p:sp>
@@ -1592,15 +1603,7 @@
             <a:pPr algn="ctr"/>
             <a:r>
               <a:rPr lang="es-ES_tradnl" sz="900" dirty="0" smtClean="0"/>
-              <a:t>se </a:t>
-            </a:r>
-            <a:r>
-              <a:rPr lang="es-ES_tradnl" sz="900" dirty="0" smtClean="0"/>
-              <a:t>caracterizan po</a:t>
-            </a:r>
-            <a:r>
-              <a:rPr lang="es-ES_tradnl" sz="900" dirty="0" smtClean="0"/>
-              <a:t>r ser</a:t>
+              <a:t>se caracterizan por ser</a:t>
             </a:r>
             <a:endParaRPr lang="es-ES" sz="900" dirty="0"/>
           </a:p>
@@ -1835,7 +1838,7 @@
                   <a:srgbClr val="000000"/>
                 </a:solidFill>
               </a:rPr>
-              <a:t>usan</a:t>
+              <a:t>usa</a:t>
             </a:r>
             <a:endParaRPr lang="es-ES" sz="900" b="1" dirty="0">
               <a:solidFill>
@@ -2238,7 +2241,7 @@
                   <a:schemeClr val="bg1"/>
                 </a:solidFill>
               </a:rPr>
-              <a:t>Incertidumbres o errores experimentales</a:t>
+              <a:t>Incertidumbre o error experimental</a:t>
             </a:r>
             <a:endParaRPr lang="es-ES" sz="1000" dirty="0">
               <a:solidFill>
@@ -2259,8 +2262,8 @@
         </p:nvCxnSpPr>
         <p:spPr>
           <a:xfrm>
-            <a:off x="8566216" y="2063007"/>
-            <a:ext cx="3728" cy="214509"/>
+            <a:off x="8564451" y="2050179"/>
+            <a:ext cx="5493" cy="227337"/>
           </a:xfrm>
           <a:prstGeom prst="straightConnector1">
             <a:avLst/>
@@ -2290,8 +2293,8 @@
         </p:nvSpPr>
         <p:spPr>
           <a:xfrm>
-            <a:off x="8227038" y="1832175"/>
-            <a:ext cx="678356" cy="230832"/>
+            <a:off x="8172190" y="1819347"/>
+            <a:ext cx="784521" cy="230832"/>
           </a:xfrm>
           <a:prstGeom prst="rect">
             <a:avLst/>
@@ -2306,10 +2309,16 @@
           <a:p>
             <a:pPr algn="ctr"/>
             <a:r>
-              <a:rPr lang="en-US" sz="900" dirty="0" err="1" smtClean="0"/>
-              <a:t>presentan</a:t>
-            </a:r>
-            <a:endParaRPr lang="es-ES" sz="900" dirty="0"/>
+              <a:rPr lang="en-US" sz="900" dirty="0" err="1" smtClean="0">
+                <a:latin typeface="Arial"/>
+                <a:cs typeface="Arial"/>
+              </a:rPr>
+              <a:t>presenta</a:t>
+            </a:r>
+            <a:endParaRPr lang="es-ES" sz="900" dirty="0">
+              <a:latin typeface="Arial"/>
+              <a:cs typeface="Arial"/>
+            </a:endParaRPr>
           </a:p>
         </p:txBody>
       </p:sp>
@@ -2324,8 +2333,8 @@
         </p:nvCxnSpPr>
         <p:spPr>
           <a:xfrm rot="16200000" flipH="1">
-            <a:off x="8136965" y="1402923"/>
-            <a:ext cx="197135" cy="661367"/>
+            <a:off x="8142497" y="1397392"/>
+            <a:ext cx="184307" cy="659602"/>
           </a:xfrm>
           <a:prstGeom prst="bentConnector3">
             <a:avLst>
@@ -2394,12 +2403,20 @@
           <a:p>
             <a:pPr algn="ctr"/>
             <a:r>
+              <a:rPr lang="es-ES" sz="1000" dirty="0">
+                <a:solidFill>
+                  <a:schemeClr val="bg1"/>
+                </a:solidFill>
+              </a:rPr>
+              <a:t>C</a:t>
+            </a:r>
+            <a:r>
               <a:rPr lang="es-ES" sz="1000" dirty="0" smtClean="0">
                 <a:solidFill>
                   <a:schemeClr val="bg1"/>
                 </a:solidFill>
               </a:rPr>
-              <a:t>Es el conjunto de conocimientos objetivos verificables y ordenados</a:t>
+              <a:t>onjunto de conocimientos objetivos verificables y ordenados</a:t>
             </a:r>
             <a:endParaRPr lang="es-ES" sz="1000" dirty="0">
               <a:solidFill>
@@ -2409,40 +2426,6 @@
           </a:p>
         </p:txBody>
       </p:sp>
-      <p:cxnSp>
-        <p:nvCxnSpPr>
-          <p:cNvPr id="53" name="Conector angular 44"/>
-          <p:cNvCxnSpPr>
-            <a:stCxn id="5" idx="2"/>
-            <a:endCxn id="50" idx="0"/>
-          </p:cNvCxnSpPr>
-          <p:nvPr/>
-        </p:nvCxnSpPr>
-        <p:spPr>
-          <a:xfrm flipH="1">
-            <a:off x="1097415" y="1598512"/>
-            <a:ext cx="648" cy="395008"/>
-          </a:xfrm>
-          <a:prstGeom prst="straightConnector1">
-            <a:avLst/>
-          </a:prstGeom>
-          <a:ln/>
-        </p:spPr>
-        <p:style>
-          <a:lnRef idx="2">
-            <a:schemeClr val="dk1"/>
-          </a:lnRef>
-          <a:fillRef idx="0">
-            <a:schemeClr val="dk1"/>
-          </a:fillRef>
-          <a:effectRef idx="1">
-            <a:schemeClr val="dk1"/>
-          </a:effectRef>
-          <a:fontRef idx="minor">
-            <a:schemeClr val="tx1"/>
-          </a:fontRef>
-        </p:style>
-      </p:cxnSp>
       <p:cxnSp>
         <p:nvCxnSpPr>
           <p:cNvPr id="56" name="Conector angular 44"/>
@@ -2874,30 +2857,51 @@
           <a:p>
             <a:pPr algn="ctr"/>
             <a:r>
-              <a:rPr lang="en-US" sz="900" dirty="0" err="1" smtClean="0"/>
+              <a:rPr lang="en-US" sz="900" dirty="0" err="1" smtClean="0">
+                <a:latin typeface="Arial"/>
+                <a:cs typeface="Arial"/>
+              </a:rPr>
               <a:t>su</a:t>
             </a:r>
             <a:r>
-              <a:rPr lang="en-US" sz="900" dirty="0" smtClean="0"/>
+              <a:rPr lang="en-US" sz="900" dirty="0" smtClean="0">
+                <a:latin typeface="Arial"/>
+                <a:cs typeface="Arial"/>
+              </a:rPr>
               <a:t> </a:t>
             </a:r>
             <a:r>
-              <a:rPr lang="en-US" sz="900" dirty="0" err="1" smtClean="0"/>
+              <a:rPr lang="en-US" sz="900" dirty="0" err="1" smtClean="0">
+                <a:latin typeface="Arial"/>
+                <a:cs typeface="Arial"/>
+              </a:rPr>
               <a:t>objeto</a:t>
             </a:r>
             <a:r>
-              <a:rPr lang="en-US" sz="900" dirty="0" smtClean="0"/>
+              <a:rPr lang="en-US" sz="900" dirty="0" smtClean="0">
+                <a:latin typeface="Arial"/>
+                <a:cs typeface="Arial"/>
+              </a:rPr>
               <a:t> de </a:t>
             </a:r>
             <a:r>
-              <a:rPr lang="en-US" sz="900" dirty="0" err="1" smtClean="0"/>
+              <a:rPr lang="en-US" sz="900" dirty="0" err="1" smtClean="0">
+                <a:latin typeface="Arial"/>
+                <a:cs typeface="Arial"/>
+              </a:rPr>
               <a:t>estudio</a:t>
             </a:r>
             <a:r>
-              <a:rPr lang="en-US" sz="900" dirty="0" smtClean="0"/>
+              <a:rPr lang="en-US" sz="900" dirty="0" smtClean="0">
+                <a:latin typeface="Arial"/>
+                <a:cs typeface="Arial"/>
+              </a:rPr>
               <a:t> son los</a:t>
             </a:r>
-            <a:endParaRPr lang="es-ES" sz="900" dirty="0"/>
+            <a:endParaRPr lang="es-ES" sz="900" dirty="0">
+              <a:latin typeface="Arial"/>
+              <a:cs typeface="Arial"/>
+            </a:endParaRPr>
           </a:p>
         </p:txBody>
       </p:sp>
@@ -3999,10 +4003,16 @@
           <a:p>
             <a:pPr algn="ctr"/>
             <a:r>
-              <a:rPr lang="en-US" sz="900" dirty="0" err="1" smtClean="0"/>
+              <a:rPr lang="en-US" sz="900" dirty="0" err="1" smtClean="0">
+                <a:latin typeface="Arial"/>
+                <a:cs typeface="Arial"/>
+              </a:rPr>
               <a:t>estudia</a:t>
             </a:r>
-            <a:endParaRPr lang="es-ES" sz="900" dirty="0"/>
+            <a:endParaRPr lang="es-ES" sz="900" dirty="0">
+              <a:latin typeface="Arial"/>
+              <a:cs typeface="Arial"/>
+            </a:endParaRPr>
           </a:p>
         </p:txBody>
       </p:sp>
@@ -4135,30 +4145,44 @@
           <a:p>
             <a:pPr algn="ctr"/>
             <a:r>
-              <a:rPr lang="en-US" sz="900" dirty="0" err="1"/>
+              <a:rPr lang="en-US" sz="900" dirty="0" err="1">
+                <a:latin typeface="Arial"/>
+                <a:cs typeface="Arial"/>
+              </a:rPr>
               <a:t>e</a:t>
             </a:r>
             <a:r>
-              <a:rPr lang="en-US" sz="900" dirty="0" err="1" smtClean="0"/>
+              <a:rPr lang="en-US" sz="900" dirty="0" err="1" smtClean="0">
+                <a:latin typeface="Arial"/>
+                <a:cs typeface="Arial"/>
+              </a:rPr>
               <a:t>xpresadas</a:t>
             </a:r>
             <a:r>
-              <a:rPr lang="en-US" sz="900" dirty="0" smtClean="0"/>
-              <a:t> en</a:t>
-            </a:r>
-            <a:r>
-              <a:rPr lang="en-US" sz="900" dirty="0" smtClean="0"/>
-              <a:t> </a:t>
-            </a:r>
-            <a:r>
-              <a:rPr lang="en-US" sz="900" dirty="0" err="1" smtClean="0"/>
+              <a:rPr lang="en-US" sz="900" dirty="0" smtClean="0">
+                <a:latin typeface="Arial"/>
+                <a:cs typeface="Arial"/>
+              </a:rPr>
+              <a:t> en </a:t>
+            </a:r>
+            <a:r>
+              <a:rPr lang="en-US" sz="900" dirty="0" err="1" smtClean="0">
+                <a:latin typeface="Arial"/>
+                <a:cs typeface="Arial"/>
+              </a:rPr>
               <a:t>unidades</a:t>
             </a:r>
             <a:r>
-              <a:rPr lang="en-US" sz="900" dirty="0" smtClean="0"/>
+              <a:rPr lang="en-US" sz="900" dirty="0" smtClean="0">
+                <a:latin typeface="Arial"/>
+                <a:cs typeface="Arial"/>
+              </a:rPr>
               <a:t> del</a:t>
             </a:r>
-            <a:endParaRPr lang="es-ES" sz="900" dirty="0"/>
+            <a:endParaRPr lang="es-ES" sz="900" dirty="0">
+              <a:latin typeface="Arial"/>
+              <a:cs typeface="Arial"/>
+            </a:endParaRPr>
           </a:p>
         </p:txBody>
       </p:sp>
@@ -4931,6 +4955,89 @@
           </a:fontRef>
         </p:style>
       </p:cxnSp>
+      <p:cxnSp>
+        <p:nvCxnSpPr>
+          <p:cNvPr id="6" name="Conector angular 5"/>
+          <p:cNvCxnSpPr>
+            <a:stCxn id="5" idx="2"/>
+            <a:endCxn id="50" idx="0"/>
+          </p:cNvCxnSpPr>
+          <p:nvPr/>
+        </p:nvCxnSpPr>
+        <p:spPr>
+          <a:xfrm rot="5400000">
+            <a:off x="900235" y="1795692"/>
+            <a:ext cx="395008" cy="648"/>
+          </a:xfrm>
+          <a:prstGeom prst="bentConnector3">
+            <a:avLst/>
+          </a:prstGeom>
+          <a:ln>
+            <a:solidFill>
+              <a:schemeClr val="tx1"/>
+            </a:solidFill>
+          </a:ln>
+        </p:spPr>
+        <p:style>
+          <a:lnRef idx="2">
+            <a:schemeClr val="accent1"/>
+          </a:lnRef>
+          <a:fillRef idx="0">
+            <a:schemeClr val="accent1"/>
+          </a:fillRef>
+          <a:effectRef idx="1">
+            <a:schemeClr val="accent1"/>
+          </a:effectRef>
+          <a:fontRef idx="minor">
+            <a:schemeClr val="tx1"/>
+          </a:fontRef>
+        </p:style>
+      </p:cxnSp>
+      <p:sp>
+        <p:nvSpPr>
+          <p:cNvPr id="2" name="CuadroTexto 1"/>
+          <p:cNvSpPr txBox="1"/>
+          <p:nvPr/>
+        </p:nvSpPr>
+        <p:spPr>
+          <a:xfrm>
+            <a:off x="910871" y="1680426"/>
+            <a:ext cx="461851" cy="230832"/>
+          </a:xfrm>
+          <a:prstGeom prst="rect">
+            <a:avLst/>
+          </a:prstGeom>
+          <a:solidFill>
+            <a:schemeClr val="bg1"/>
+          </a:solidFill>
+        </p:spPr>
+        <p:txBody>
+          <a:bodyPr wrap="square" rtlCol="0">
+            <a:spAutoFit/>
+          </a:bodyPr>
+          <a:lstStyle/>
+          <a:p>
+            <a:r>
+              <a:rPr lang="es-ES" sz="900" dirty="0">
+                <a:latin typeface="Arial"/>
+                <a:cs typeface="Arial"/>
+              </a:rPr>
+              <a:t>e</a:t>
+            </a:r>
+            <a:r>
+              <a:rPr lang="es-ES" sz="900" dirty="0" smtClean="0">
+                <a:latin typeface="Arial"/>
+                <a:cs typeface="Arial"/>
+              </a:rPr>
+              <a:t>s el</a:t>
+            </a:r>
+            <a:endParaRPr lang="es-ES" sz="900" dirty="0">
+              <a:latin typeface="Arial"/>
+              <a:cs typeface="Arial"/>
+            </a:endParaRPr>
+          </a:p>
+        </p:txBody>
+      </p:sp>
     </p:spTree>
     <p:extLst>
       <p:ext uri="{BB962C8B-B14F-4D97-AF65-F5344CB8AC3E}">
